--- a/RegrasNegocio/RN_Requisitos.pptx
+++ b/RegrasNegocio/RN_Requisitos.pptx
@@ -13,6 +13,16 @@
     <p:sldId id="260" r:id="rId7"/>
     <p:sldId id="262" r:id="rId8"/>
     <p:sldId id="263" r:id="rId9"/>
+    <p:sldId id="264" r:id="rId10"/>
+    <p:sldId id="265" r:id="rId11"/>
+    <p:sldId id="266" r:id="rId12"/>
+    <p:sldId id="267" r:id="rId13"/>
+    <p:sldId id="268" r:id="rId14"/>
+    <p:sldId id="269" r:id="rId15"/>
+    <p:sldId id="270" r:id="rId16"/>
+    <p:sldId id="271" r:id="rId17"/>
+    <p:sldId id="272" r:id="rId18"/>
+    <p:sldId id="273" r:id="rId19"/>
   </p:sldIdLst>
   <p:sldSz cx="12192000" cy="6858000"/>
   <p:notesSz cx="6858000" cy="9144000"/>
@@ -266,7 +276,7 @@
           <a:p>
             <a:fld id="{0A1764AE-7598-4101-9D63-6EC8D69CE664}" type="datetimeFigureOut">
               <a:rPr lang="pt-BR" smtClean="0"/>
-              <a:t>12/12/2023</a:t>
+              <a:t>22/01/2024</a:t>
             </a:fld>
             <a:endParaRPr lang="pt-BR"/>
           </a:p>
@@ -464,7 +474,7 @@
           <a:p>
             <a:fld id="{0A1764AE-7598-4101-9D63-6EC8D69CE664}" type="datetimeFigureOut">
               <a:rPr lang="pt-BR" smtClean="0"/>
-              <a:t>12/12/2023</a:t>
+              <a:t>22/01/2024</a:t>
             </a:fld>
             <a:endParaRPr lang="pt-BR"/>
           </a:p>
@@ -672,7 +682,7 @@
           <a:p>
             <a:fld id="{0A1764AE-7598-4101-9D63-6EC8D69CE664}" type="datetimeFigureOut">
               <a:rPr lang="pt-BR" smtClean="0"/>
-              <a:t>12/12/2023</a:t>
+              <a:t>22/01/2024</a:t>
             </a:fld>
             <a:endParaRPr lang="pt-BR"/>
           </a:p>
@@ -870,7 +880,7 @@
           <a:p>
             <a:fld id="{0A1764AE-7598-4101-9D63-6EC8D69CE664}" type="datetimeFigureOut">
               <a:rPr lang="pt-BR" smtClean="0"/>
-              <a:t>12/12/2023</a:t>
+              <a:t>22/01/2024</a:t>
             </a:fld>
             <a:endParaRPr lang="pt-BR"/>
           </a:p>
@@ -1145,7 +1155,7 @@
           <a:p>
             <a:fld id="{0A1764AE-7598-4101-9D63-6EC8D69CE664}" type="datetimeFigureOut">
               <a:rPr lang="pt-BR" smtClean="0"/>
-              <a:t>12/12/2023</a:t>
+              <a:t>22/01/2024</a:t>
             </a:fld>
             <a:endParaRPr lang="pt-BR"/>
           </a:p>
@@ -1410,7 +1420,7 @@
           <a:p>
             <a:fld id="{0A1764AE-7598-4101-9D63-6EC8D69CE664}" type="datetimeFigureOut">
               <a:rPr lang="pt-BR" smtClean="0"/>
-              <a:t>12/12/2023</a:t>
+              <a:t>22/01/2024</a:t>
             </a:fld>
             <a:endParaRPr lang="pt-BR"/>
           </a:p>
@@ -1822,7 +1832,7 @@
           <a:p>
             <a:fld id="{0A1764AE-7598-4101-9D63-6EC8D69CE664}" type="datetimeFigureOut">
               <a:rPr lang="pt-BR" smtClean="0"/>
-              <a:t>12/12/2023</a:t>
+              <a:t>22/01/2024</a:t>
             </a:fld>
             <a:endParaRPr lang="pt-BR"/>
           </a:p>
@@ -1963,7 +1973,7 @@
           <a:p>
             <a:fld id="{0A1764AE-7598-4101-9D63-6EC8D69CE664}" type="datetimeFigureOut">
               <a:rPr lang="pt-BR" smtClean="0"/>
-              <a:t>12/12/2023</a:t>
+              <a:t>22/01/2024</a:t>
             </a:fld>
             <a:endParaRPr lang="pt-BR"/>
           </a:p>
@@ -2076,7 +2086,7 @@
           <a:p>
             <a:fld id="{0A1764AE-7598-4101-9D63-6EC8D69CE664}" type="datetimeFigureOut">
               <a:rPr lang="pt-BR" smtClean="0"/>
-              <a:t>12/12/2023</a:t>
+              <a:t>22/01/2024</a:t>
             </a:fld>
             <a:endParaRPr lang="pt-BR"/>
           </a:p>
@@ -2387,7 +2397,7 @@
           <a:p>
             <a:fld id="{0A1764AE-7598-4101-9D63-6EC8D69CE664}" type="datetimeFigureOut">
               <a:rPr lang="pt-BR" smtClean="0"/>
-              <a:t>12/12/2023</a:t>
+              <a:t>22/01/2024</a:t>
             </a:fld>
             <a:endParaRPr lang="pt-BR"/>
           </a:p>
@@ -2675,7 +2685,7 @@
           <a:p>
             <a:fld id="{0A1764AE-7598-4101-9D63-6EC8D69CE664}" type="datetimeFigureOut">
               <a:rPr lang="pt-BR" smtClean="0"/>
-              <a:t>12/12/2023</a:t>
+              <a:t>22/01/2024</a:t>
             </a:fld>
             <a:endParaRPr lang="pt-BR"/>
           </a:p>
@@ -2916,7 +2926,7 @@
           <a:p>
             <a:fld id="{0A1764AE-7598-4101-9D63-6EC8D69CE664}" type="datetimeFigureOut">
               <a:rPr lang="pt-BR" smtClean="0"/>
-              <a:t>12/12/2023</a:t>
+              <a:t>22/01/2024</a:t>
             </a:fld>
             <a:endParaRPr lang="pt-BR"/>
           </a:p>
@@ -3399,6 +3409,1771 @@
 </p:sld>
 </file>
 
+<file path=ppt/slides/slide10.xml><?xml version="1.0" encoding="utf-8"?>
+<p:sld xmlns:a="http://schemas.openxmlformats.org/drawingml/2006/main" xmlns:r="http://schemas.openxmlformats.org/officeDocument/2006/relationships" xmlns:p="http://schemas.openxmlformats.org/presentationml/2006/main">
+  <p:cSld>
+    <p:spTree>
+      <p:nvGrpSpPr>
+        <p:cNvPr id="1" name=""/>
+        <p:cNvGrpSpPr/>
+        <p:nvPr/>
+      </p:nvGrpSpPr>
+      <p:grpSpPr>
+        <a:xfrm>
+          <a:off x="0" y="0"/>
+          <a:ext cx="0" cy="0"/>
+          <a:chOff x="0" y="0"/>
+          <a:chExt cx="0" cy="0"/>
+        </a:xfrm>
+      </p:grpSpPr>
+      <p:sp>
+        <p:nvSpPr>
+          <p:cNvPr id="2" name="Título 1"/>
+          <p:cNvSpPr>
+            <a:spLocks noGrp="1"/>
+          </p:cNvSpPr>
+          <p:nvPr>
+            <p:ph type="title"/>
+          </p:nvPr>
+        </p:nvSpPr>
+        <p:spPr>
+          <a:xfrm>
+            <a:off x="838200" y="365125"/>
+            <a:ext cx="4262306" cy="1325563"/>
+          </a:xfrm>
+        </p:spPr>
+        <p:txBody>
+          <a:bodyPr>
+            <a:normAutofit/>
+          </a:bodyPr>
+          <a:lstStyle/>
+          <a:p>
+            <a:r>
+              <a:rPr lang="pt-BR" sz="2100" dirty="0" smtClean="0"/>
+              <a:t>Caso de teste – Tela de requisição : Motivos </a:t>
+            </a:r>
+            <a:endParaRPr lang="pt-BR" sz="2100" dirty="0"/>
+          </a:p>
+        </p:txBody>
+      </p:sp>
+      <p:sp>
+        <p:nvSpPr>
+          <p:cNvPr id="3" name="Espaço Reservado para Conteúdo 2"/>
+          <p:cNvSpPr>
+            <a:spLocks noGrp="1"/>
+          </p:cNvSpPr>
+          <p:nvPr>
+            <p:ph idx="1"/>
+          </p:nvPr>
+        </p:nvSpPr>
+        <p:spPr>
+          <a:xfrm>
+            <a:off x="838199" y="1825625"/>
+            <a:ext cx="10260435" cy="4351338"/>
+          </a:xfrm>
+        </p:spPr>
+        <p:txBody>
+          <a:bodyPr>
+            <a:normAutofit/>
+          </a:bodyPr>
+          <a:lstStyle/>
+          <a:p>
+            <a:r>
+              <a:rPr lang="pt-BR" sz="1600" dirty="0" smtClean="0"/>
+              <a:t>Pré-condição: Estar com a tela aberta</a:t>
+            </a:r>
+          </a:p>
+          <a:p>
+            <a:r>
+              <a:rPr lang="pt-BR" sz="1600" dirty="0"/>
+              <a:t>RN: </a:t>
+            </a:r>
+            <a:r>
+              <a:rPr lang="pt-BR" sz="1600" dirty="0" smtClean="0"/>
+              <a:t>RN04, RN05</a:t>
+            </a:r>
+          </a:p>
+          <a:p>
+            <a:endParaRPr lang="pt-BR" sz="1600" dirty="0" smtClean="0"/>
+          </a:p>
+          <a:p>
+            <a:r>
+              <a:rPr lang="pt-BR" sz="1600" dirty="0"/>
+              <a:t>Resultado esperado </a:t>
+            </a:r>
+            <a:r>
+              <a:rPr lang="pt-BR" sz="1600" dirty="0" smtClean="0"/>
+              <a:t>: os dados devem ser carregados da API, campo motivo deve exibir motivos da categoria selecionada</a:t>
+            </a:r>
+            <a:endParaRPr lang="pt-BR" sz="1600" dirty="0"/>
+          </a:p>
+          <a:p>
+            <a:pPr marL="0" indent="0">
+              <a:buNone/>
+            </a:pPr>
+            <a:endParaRPr lang="pt-BR" sz="1600" dirty="0" smtClean="0"/>
+          </a:p>
+          <a:p>
+            <a:r>
+              <a:rPr lang="pt-BR" sz="1600" dirty="0" smtClean="0"/>
+              <a:t>Ações</a:t>
+            </a:r>
+          </a:p>
+          <a:p>
+            <a:pPr marL="342900" indent="-342900">
+              <a:buAutoNum type="arabicPeriod"/>
+            </a:pPr>
+            <a:r>
+              <a:rPr lang="pt-BR" sz="1600" dirty="0" smtClean="0"/>
+              <a:t>Carregar </a:t>
+            </a:r>
+            <a:r>
+              <a:rPr lang="pt-BR" sz="1600" dirty="0"/>
+              <a:t>a tela | Resultado esperado : </a:t>
+            </a:r>
+            <a:r>
+              <a:rPr lang="pt-BR" sz="1600" dirty="0" smtClean="0"/>
+              <a:t>Os </a:t>
+            </a:r>
+            <a:r>
+              <a:rPr lang="pt-BR" sz="1600" dirty="0"/>
+              <a:t>dados da Categoria Motivo devem ser carregados da API</a:t>
+            </a:r>
+            <a:r>
+              <a:rPr lang="pt-BR" sz="1600" dirty="0" smtClean="0"/>
+              <a:t>.</a:t>
+            </a:r>
+          </a:p>
+          <a:p>
+            <a:pPr marL="342900" indent="-342900">
+              <a:buAutoNum type="arabicPeriod"/>
+            </a:pPr>
+            <a:r>
+              <a:rPr lang="pt-BR" sz="1600" dirty="0" smtClean="0"/>
+              <a:t>Alterar dados   | Resultado esperado : </a:t>
+            </a:r>
+            <a:r>
+              <a:rPr lang="pt-BR" sz="1600" dirty="0"/>
+              <a:t>o campo motivo deve exibir somente os motivos da categoria selecionada.</a:t>
+            </a:r>
+            <a:endParaRPr lang="pt-BR" sz="1600" dirty="0" smtClean="0"/>
+          </a:p>
+          <a:p>
+            <a:pPr marL="342900" indent="-342900">
+              <a:buAutoNum type="arabicPeriod"/>
+            </a:pPr>
+            <a:endParaRPr lang="pt-BR" sz="1600" dirty="0"/>
+          </a:p>
+          <a:p>
+            <a:pPr marL="342900" indent="-342900">
+              <a:buAutoNum type="arabicPeriod"/>
+            </a:pPr>
+            <a:endParaRPr lang="pt-BR" sz="1200" dirty="0" smtClean="0"/>
+          </a:p>
+          <a:p>
+            <a:endParaRPr lang="pt-BR" sz="1600" dirty="0"/>
+          </a:p>
+        </p:txBody>
+      </p:sp>
+    </p:spTree>
+    <p:extLst>
+      <p:ext uri="{BB962C8B-B14F-4D97-AF65-F5344CB8AC3E}">
+        <p14:creationId xmlns:p14="http://schemas.microsoft.com/office/powerpoint/2010/main" val="3654519226"/>
+      </p:ext>
+    </p:extLst>
+  </p:cSld>
+  <p:clrMapOvr>
+    <a:masterClrMapping/>
+  </p:clrMapOvr>
+</p:sld>
+</file>
+
+<file path=ppt/slides/slide11.xml><?xml version="1.0" encoding="utf-8"?>
+<p:sld xmlns:a="http://schemas.openxmlformats.org/drawingml/2006/main" xmlns:r="http://schemas.openxmlformats.org/officeDocument/2006/relationships" xmlns:p="http://schemas.openxmlformats.org/presentationml/2006/main">
+  <p:cSld>
+    <p:spTree>
+      <p:nvGrpSpPr>
+        <p:cNvPr id="1" name=""/>
+        <p:cNvGrpSpPr/>
+        <p:nvPr/>
+      </p:nvGrpSpPr>
+      <p:grpSpPr>
+        <a:xfrm>
+          <a:off x="0" y="0"/>
+          <a:ext cx="0" cy="0"/>
+          <a:chOff x="0" y="0"/>
+          <a:chExt cx="0" cy="0"/>
+        </a:xfrm>
+      </p:grpSpPr>
+      <p:sp>
+        <p:nvSpPr>
+          <p:cNvPr id="2" name="Título 1"/>
+          <p:cNvSpPr>
+            <a:spLocks noGrp="1"/>
+          </p:cNvSpPr>
+          <p:nvPr>
+            <p:ph type="title"/>
+          </p:nvPr>
+        </p:nvSpPr>
+        <p:spPr>
+          <a:xfrm>
+            <a:off x="838200" y="365125"/>
+            <a:ext cx="4262306" cy="1325563"/>
+          </a:xfrm>
+        </p:spPr>
+        <p:txBody>
+          <a:bodyPr>
+            <a:normAutofit/>
+          </a:bodyPr>
+          <a:lstStyle/>
+          <a:p>
+            <a:r>
+              <a:rPr lang="pt-BR" sz="2100" dirty="0" smtClean="0"/>
+              <a:t>Caso de teste – Tela de requisição : Departamento </a:t>
+            </a:r>
+            <a:endParaRPr lang="pt-BR" sz="2100" dirty="0"/>
+          </a:p>
+        </p:txBody>
+      </p:sp>
+      <p:sp>
+        <p:nvSpPr>
+          <p:cNvPr id="3" name="Espaço Reservado para Conteúdo 2"/>
+          <p:cNvSpPr>
+            <a:spLocks noGrp="1"/>
+          </p:cNvSpPr>
+          <p:nvPr>
+            <p:ph idx="1"/>
+          </p:nvPr>
+        </p:nvSpPr>
+        <p:spPr>
+          <a:xfrm>
+            <a:off x="838199" y="1825625"/>
+            <a:ext cx="10260435" cy="4351338"/>
+          </a:xfrm>
+        </p:spPr>
+        <p:txBody>
+          <a:bodyPr>
+            <a:normAutofit/>
+          </a:bodyPr>
+          <a:lstStyle/>
+          <a:p>
+            <a:r>
+              <a:rPr lang="pt-BR" sz="1600" dirty="0" smtClean="0"/>
+              <a:t>Pré-condição: Estar com a tela aberta</a:t>
+            </a:r>
+          </a:p>
+          <a:p>
+            <a:r>
+              <a:rPr lang="pt-BR" sz="1600" dirty="0"/>
+              <a:t>RN: </a:t>
+            </a:r>
+            <a:r>
+              <a:rPr lang="pt-BR" sz="1600" dirty="0" smtClean="0"/>
+              <a:t>RN06</a:t>
+            </a:r>
+          </a:p>
+          <a:p>
+            <a:endParaRPr lang="pt-BR" sz="1600" dirty="0" smtClean="0"/>
+          </a:p>
+          <a:p>
+            <a:r>
+              <a:rPr lang="pt-BR" sz="1600" dirty="0"/>
+              <a:t>Resultado esperado : </a:t>
+            </a:r>
+            <a:r>
+              <a:rPr lang="pt-BR" sz="1600" dirty="0" smtClean="0"/>
+              <a:t>De acordo com o ID digitado, deve-se mostrar o departamento a que pertence aquele ID, caso o mesmo exista</a:t>
+            </a:r>
+            <a:endParaRPr lang="pt-BR" sz="1600" dirty="0"/>
+          </a:p>
+          <a:p>
+            <a:pPr marL="0" indent="0">
+              <a:buNone/>
+            </a:pPr>
+            <a:endParaRPr lang="pt-BR" sz="1600" dirty="0" smtClean="0"/>
+          </a:p>
+          <a:p>
+            <a:r>
+              <a:rPr lang="pt-BR" sz="1600" dirty="0" smtClean="0"/>
+              <a:t>Ações</a:t>
+            </a:r>
+          </a:p>
+          <a:p>
+            <a:pPr marL="342900" indent="-342900">
+              <a:buAutoNum type="arabicPeriod"/>
+            </a:pPr>
+            <a:r>
+              <a:rPr lang="pt-BR" sz="1600" dirty="0" smtClean="0"/>
+              <a:t>Digitar o ID no campo “ID </a:t>
+            </a:r>
+            <a:r>
+              <a:rPr lang="pt-BR" sz="1600" dirty="0" err="1" smtClean="0"/>
+              <a:t>Fun</a:t>
+            </a:r>
+            <a:r>
+              <a:rPr lang="pt-BR" sz="1600" dirty="0" smtClean="0"/>
+              <a:t>.” e o mesmo existe | Resultado Esperado : Campo departamento deve exibir o departamento que pertence ao ID</a:t>
+            </a:r>
+          </a:p>
+          <a:p>
+            <a:pPr marL="342900" indent="-342900">
+              <a:buFont typeface="Arial" panose="020B0604020202020204" pitchFamily="34" charset="0"/>
+              <a:buAutoNum type="arabicPeriod"/>
+            </a:pPr>
+            <a:r>
+              <a:rPr lang="pt-BR" sz="1600" dirty="0"/>
+              <a:t>Digitar o ID no campo “ID </a:t>
+            </a:r>
+            <a:r>
+              <a:rPr lang="pt-BR" sz="1600" dirty="0" err="1"/>
+              <a:t>Fun</a:t>
+            </a:r>
+            <a:r>
+              <a:rPr lang="pt-BR" sz="1600" dirty="0"/>
+              <a:t>.” e </a:t>
+            </a:r>
+            <a:r>
+              <a:rPr lang="pt-BR" sz="1600" dirty="0" smtClean="0"/>
+              <a:t>o mesmo não existe </a:t>
+            </a:r>
+            <a:r>
+              <a:rPr lang="pt-BR" sz="1600" dirty="0"/>
+              <a:t>| Resultado Esperado : Campo departamento deve </a:t>
+            </a:r>
+            <a:r>
+              <a:rPr lang="pt-BR" sz="1600" dirty="0" smtClean="0"/>
+              <a:t>permanecer com a descrição vazia</a:t>
+            </a:r>
+            <a:endParaRPr lang="pt-BR" sz="1600" dirty="0"/>
+          </a:p>
+          <a:p>
+            <a:pPr marL="342900" indent="-342900">
+              <a:buAutoNum type="arabicPeriod"/>
+            </a:pPr>
+            <a:endParaRPr lang="pt-BR" sz="1600" dirty="0" smtClean="0"/>
+          </a:p>
+          <a:p>
+            <a:pPr marL="342900" indent="-342900">
+              <a:buAutoNum type="arabicPeriod"/>
+            </a:pPr>
+            <a:endParaRPr lang="pt-BR" sz="1600" dirty="0" smtClean="0"/>
+          </a:p>
+          <a:p>
+            <a:pPr marL="342900" indent="-342900">
+              <a:buAutoNum type="arabicPeriod"/>
+            </a:pPr>
+            <a:endParaRPr lang="pt-BR" sz="1600" dirty="0"/>
+          </a:p>
+          <a:p>
+            <a:pPr marL="342900" indent="-342900">
+              <a:buAutoNum type="arabicPeriod"/>
+            </a:pPr>
+            <a:endParaRPr lang="pt-BR" sz="1200" dirty="0" smtClean="0"/>
+          </a:p>
+          <a:p>
+            <a:endParaRPr lang="pt-BR" sz="1600" dirty="0"/>
+          </a:p>
+        </p:txBody>
+      </p:sp>
+    </p:spTree>
+    <p:extLst>
+      <p:ext uri="{BB962C8B-B14F-4D97-AF65-F5344CB8AC3E}">
+        <p14:creationId xmlns:p14="http://schemas.microsoft.com/office/powerpoint/2010/main" val="654654866"/>
+      </p:ext>
+    </p:extLst>
+  </p:cSld>
+  <p:clrMapOvr>
+    <a:masterClrMapping/>
+  </p:clrMapOvr>
+</p:sld>
+</file>
+
+<file path=ppt/slides/slide12.xml><?xml version="1.0" encoding="utf-8"?>
+<p:sld xmlns:a="http://schemas.openxmlformats.org/drawingml/2006/main" xmlns:r="http://schemas.openxmlformats.org/officeDocument/2006/relationships" xmlns:p="http://schemas.openxmlformats.org/presentationml/2006/main">
+  <p:cSld>
+    <p:spTree>
+      <p:nvGrpSpPr>
+        <p:cNvPr id="1" name=""/>
+        <p:cNvGrpSpPr/>
+        <p:nvPr/>
+      </p:nvGrpSpPr>
+      <p:grpSpPr>
+        <a:xfrm>
+          <a:off x="0" y="0"/>
+          <a:ext cx="0" cy="0"/>
+          <a:chOff x="0" y="0"/>
+          <a:chExt cx="0" cy="0"/>
+        </a:xfrm>
+      </p:grpSpPr>
+      <p:sp>
+        <p:nvSpPr>
+          <p:cNvPr id="2" name="Título 1"/>
+          <p:cNvSpPr>
+            <a:spLocks noGrp="1"/>
+          </p:cNvSpPr>
+          <p:nvPr>
+            <p:ph type="title"/>
+          </p:nvPr>
+        </p:nvSpPr>
+        <p:spPr>
+          <a:xfrm>
+            <a:off x="838200" y="365125"/>
+            <a:ext cx="4262306" cy="1325563"/>
+          </a:xfrm>
+        </p:spPr>
+        <p:txBody>
+          <a:bodyPr>
+            <a:normAutofit/>
+          </a:bodyPr>
+          <a:lstStyle/>
+          <a:p>
+            <a:r>
+              <a:rPr lang="pt-BR" sz="2100" dirty="0" smtClean="0"/>
+              <a:t>Caso de teste – Tela de requisição : Nome Funcionário</a:t>
+            </a:r>
+            <a:endParaRPr lang="pt-BR" sz="2100" dirty="0"/>
+          </a:p>
+        </p:txBody>
+      </p:sp>
+      <p:sp>
+        <p:nvSpPr>
+          <p:cNvPr id="3" name="Espaço Reservado para Conteúdo 2"/>
+          <p:cNvSpPr>
+            <a:spLocks noGrp="1"/>
+          </p:cNvSpPr>
+          <p:nvPr>
+            <p:ph idx="1"/>
+          </p:nvPr>
+        </p:nvSpPr>
+        <p:spPr>
+          <a:xfrm>
+            <a:off x="838199" y="1825625"/>
+            <a:ext cx="10260435" cy="4351338"/>
+          </a:xfrm>
+        </p:spPr>
+        <p:txBody>
+          <a:bodyPr>
+            <a:normAutofit/>
+          </a:bodyPr>
+          <a:lstStyle/>
+          <a:p>
+            <a:r>
+              <a:rPr lang="pt-BR" sz="1600" dirty="0" smtClean="0"/>
+              <a:t>Pré-condição: Estar com a tela aberta</a:t>
+            </a:r>
+          </a:p>
+          <a:p>
+            <a:r>
+              <a:rPr lang="pt-BR" sz="1600" dirty="0"/>
+              <a:t>RN: </a:t>
+            </a:r>
+            <a:r>
+              <a:rPr lang="pt-BR" sz="1600" dirty="0" smtClean="0"/>
+              <a:t>RN07</a:t>
+            </a:r>
+          </a:p>
+          <a:p>
+            <a:endParaRPr lang="pt-BR" sz="1600" dirty="0" smtClean="0"/>
+          </a:p>
+          <a:p>
+            <a:r>
+              <a:rPr lang="pt-BR" sz="1600" dirty="0"/>
+              <a:t>Resultado esperado : </a:t>
+            </a:r>
+            <a:r>
+              <a:rPr lang="pt-BR" sz="1600" dirty="0" smtClean="0"/>
+              <a:t>De acordo com o ID digitado, deve-se mostrar o funcionário a que pertence aquele ID, caso o mesmo exista</a:t>
+            </a:r>
+            <a:endParaRPr lang="pt-BR" sz="1600" dirty="0"/>
+          </a:p>
+          <a:p>
+            <a:pPr marL="0" indent="0">
+              <a:buNone/>
+            </a:pPr>
+            <a:endParaRPr lang="pt-BR" sz="1600" dirty="0" smtClean="0"/>
+          </a:p>
+          <a:p>
+            <a:r>
+              <a:rPr lang="pt-BR" sz="1600" dirty="0" smtClean="0"/>
+              <a:t>Ações</a:t>
+            </a:r>
+          </a:p>
+          <a:p>
+            <a:pPr marL="342900" indent="-342900">
+              <a:buAutoNum type="arabicPeriod"/>
+            </a:pPr>
+            <a:r>
+              <a:rPr lang="pt-BR" sz="1600" dirty="0" smtClean="0"/>
+              <a:t>Digitar o ID no campo “ID </a:t>
+            </a:r>
+            <a:r>
+              <a:rPr lang="pt-BR" sz="1600" dirty="0" err="1" smtClean="0"/>
+              <a:t>Fun</a:t>
+            </a:r>
+            <a:r>
+              <a:rPr lang="pt-BR" sz="1600" dirty="0" smtClean="0"/>
+              <a:t>.” e o mesmo existe | Resultado Esperado : Campo “Nome Funcionário” deve exibir o funcionário pertencente àquele ID</a:t>
+            </a:r>
+          </a:p>
+          <a:p>
+            <a:pPr marL="342900" indent="-342900">
+              <a:buFont typeface="Arial" panose="020B0604020202020204" pitchFamily="34" charset="0"/>
+              <a:buAutoNum type="arabicPeriod"/>
+            </a:pPr>
+            <a:r>
+              <a:rPr lang="pt-BR" sz="1600" dirty="0"/>
+              <a:t>Digitar o ID no campo “ID </a:t>
+            </a:r>
+            <a:r>
+              <a:rPr lang="pt-BR" sz="1600" dirty="0" err="1"/>
+              <a:t>Fun</a:t>
+            </a:r>
+            <a:r>
+              <a:rPr lang="pt-BR" sz="1600" dirty="0"/>
+              <a:t>.” e </a:t>
+            </a:r>
+            <a:r>
+              <a:rPr lang="pt-BR" sz="1600" dirty="0" smtClean="0"/>
+              <a:t>o mesmo não existe </a:t>
+            </a:r>
+            <a:r>
+              <a:rPr lang="pt-BR" sz="1600" dirty="0"/>
+              <a:t>| Resultado Esperado : Campo </a:t>
+            </a:r>
+            <a:r>
+              <a:rPr lang="pt-BR" sz="1600" dirty="0" smtClean="0"/>
+              <a:t>“Nome Funcionário” deve permanecer vazio                                            </a:t>
+            </a:r>
+            <a:endParaRPr lang="pt-BR" sz="1600" dirty="0"/>
+          </a:p>
+          <a:p>
+            <a:pPr marL="342900" indent="-342900">
+              <a:buAutoNum type="arabicPeriod"/>
+            </a:pPr>
+            <a:endParaRPr lang="pt-BR" sz="1600" dirty="0" smtClean="0"/>
+          </a:p>
+          <a:p>
+            <a:pPr marL="342900" indent="-342900">
+              <a:buAutoNum type="arabicPeriod"/>
+            </a:pPr>
+            <a:endParaRPr lang="pt-BR" sz="1600" dirty="0" smtClean="0"/>
+          </a:p>
+          <a:p>
+            <a:pPr marL="342900" indent="-342900">
+              <a:buAutoNum type="arabicPeriod"/>
+            </a:pPr>
+            <a:endParaRPr lang="pt-BR" sz="1600" dirty="0"/>
+          </a:p>
+          <a:p>
+            <a:pPr marL="342900" indent="-342900">
+              <a:buAutoNum type="arabicPeriod"/>
+            </a:pPr>
+            <a:endParaRPr lang="pt-BR" sz="1200" dirty="0" smtClean="0"/>
+          </a:p>
+          <a:p>
+            <a:endParaRPr lang="pt-BR" sz="1600" dirty="0"/>
+          </a:p>
+        </p:txBody>
+      </p:sp>
+    </p:spTree>
+    <p:extLst>
+      <p:ext uri="{BB962C8B-B14F-4D97-AF65-F5344CB8AC3E}">
+        <p14:creationId xmlns:p14="http://schemas.microsoft.com/office/powerpoint/2010/main" val="1292423783"/>
+      </p:ext>
+    </p:extLst>
+  </p:cSld>
+  <p:clrMapOvr>
+    <a:masterClrMapping/>
+  </p:clrMapOvr>
+</p:sld>
+</file>
+
+<file path=ppt/slides/slide13.xml><?xml version="1.0" encoding="utf-8"?>
+<p:sld xmlns:a="http://schemas.openxmlformats.org/drawingml/2006/main" xmlns:r="http://schemas.openxmlformats.org/officeDocument/2006/relationships" xmlns:p="http://schemas.openxmlformats.org/presentationml/2006/main">
+  <p:cSld>
+    <p:spTree>
+      <p:nvGrpSpPr>
+        <p:cNvPr id="1" name=""/>
+        <p:cNvGrpSpPr/>
+        <p:nvPr/>
+      </p:nvGrpSpPr>
+      <p:grpSpPr>
+        <a:xfrm>
+          <a:off x="0" y="0"/>
+          <a:ext cx="0" cy="0"/>
+          <a:chOff x="0" y="0"/>
+          <a:chExt cx="0" cy="0"/>
+        </a:xfrm>
+      </p:grpSpPr>
+      <p:sp>
+        <p:nvSpPr>
+          <p:cNvPr id="2" name="Título 1"/>
+          <p:cNvSpPr>
+            <a:spLocks noGrp="1"/>
+          </p:cNvSpPr>
+          <p:nvPr>
+            <p:ph type="title"/>
+          </p:nvPr>
+        </p:nvSpPr>
+        <p:spPr>
+          <a:xfrm>
+            <a:off x="838200" y="365125"/>
+            <a:ext cx="4262306" cy="1325563"/>
+          </a:xfrm>
+        </p:spPr>
+        <p:txBody>
+          <a:bodyPr>
+            <a:normAutofit/>
+          </a:bodyPr>
+          <a:lstStyle/>
+          <a:p>
+            <a:r>
+              <a:rPr lang="pt-BR" sz="2100" dirty="0" smtClean="0"/>
+              <a:t>Caso de teste – Tela de requisição : Descrição de Produto</a:t>
+            </a:r>
+            <a:endParaRPr lang="pt-BR" sz="2100" dirty="0"/>
+          </a:p>
+        </p:txBody>
+      </p:sp>
+      <p:sp>
+        <p:nvSpPr>
+          <p:cNvPr id="3" name="Espaço Reservado para Conteúdo 2"/>
+          <p:cNvSpPr>
+            <a:spLocks noGrp="1"/>
+          </p:cNvSpPr>
+          <p:nvPr>
+            <p:ph idx="1"/>
+          </p:nvPr>
+        </p:nvSpPr>
+        <p:spPr>
+          <a:xfrm>
+            <a:off x="838199" y="1825625"/>
+            <a:ext cx="10260435" cy="4351338"/>
+          </a:xfrm>
+        </p:spPr>
+        <p:txBody>
+          <a:bodyPr>
+            <a:normAutofit/>
+          </a:bodyPr>
+          <a:lstStyle/>
+          <a:p>
+            <a:r>
+              <a:rPr lang="pt-BR" sz="1600" dirty="0" smtClean="0"/>
+              <a:t>Pré-condição: Estar com a tela aberta</a:t>
+            </a:r>
+          </a:p>
+          <a:p>
+            <a:r>
+              <a:rPr lang="pt-BR" sz="1600" dirty="0"/>
+              <a:t>RN: </a:t>
+            </a:r>
+            <a:r>
+              <a:rPr lang="pt-BR" sz="1600" dirty="0" smtClean="0"/>
+              <a:t>RN08</a:t>
+            </a:r>
+          </a:p>
+          <a:p>
+            <a:endParaRPr lang="pt-BR" sz="1600" dirty="0" smtClean="0"/>
+          </a:p>
+          <a:p>
+            <a:r>
+              <a:rPr lang="pt-BR" sz="1600" dirty="0"/>
+              <a:t>Resultado esperado : </a:t>
+            </a:r>
+            <a:r>
+              <a:rPr lang="pt-BR" sz="1600" dirty="0" smtClean="0"/>
+              <a:t>De acordo com o ID digitado no campo “</a:t>
+            </a:r>
+            <a:r>
+              <a:rPr lang="pt-BR" sz="1600" dirty="0" err="1"/>
+              <a:t>Cod</a:t>
+            </a:r>
+            <a:r>
+              <a:rPr lang="pt-BR" sz="1600" dirty="0"/>
+              <a:t> </a:t>
+            </a:r>
+            <a:r>
+              <a:rPr lang="pt-BR" sz="1600" dirty="0" smtClean="0"/>
+              <a:t>Produto”, deve-se exibir o nome do produto, e no campo “Estoque” deve-se exibir a quantidade disponível no estoque</a:t>
+            </a:r>
+            <a:endParaRPr lang="pt-BR" sz="1600" dirty="0"/>
+          </a:p>
+          <a:p>
+            <a:pPr marL="0" indent="0">
+              <a:buNone/>
+            </a:pPr>
+            <a:endParaRPr lang="pt-BR" sz="1600" dirty="0" smtClean="0"/>
+          </a:p>
+          <a:p>
+            <a:r>
+              <a:rPr lang="pt-BR" sz="1600" dirty="0" smtClean="0"/>
+              <a:t>Ações</a:t>
+            </a:r>
+          </a:p>
+          <a:p>
+            <a:pPr marL="342900" indent="-342900">
+              <a:buAutoNum type="arabicPeriod"/>
+            </a:pPr>
+            <a:r>
+              <a:rPr lang="pt-BR" sz="1600" dirty="0" smtClean="0"/>
+              <a:t>Digitar o ID no campo “</a:t>
+            </a:r>
+            <a:r>
+              <a:rPr lang="pt-BR" sz="1600" dirty="0" err="1" smtClean="0"/>
+              <a:t>Cod</a:t>
+            </a:r>
+            <a:r>
+              <a:rPr lang="pt-BR" sz="1600" dirty="0" smtClean="0"/>
+              <a:t> Produto” e o mesmo existe | Resultado esperado : Nome do produto é exibido e no campo estoque será exibido a quantidade disponível.</a:t>
+            </a:r>
+          </a:p>
+          <a:p>
+            <a:pPr marL="342900" indent="-342900">
+              <a:buFont typeface="Arial" panose="020B0604020202020204" pitchFamily="34" charset="0"/>
+              <a:buAutoNum type="arabicPeriod"/>
+            </a:pPr>
+            <a:r>
+              <a:rPr lang="pt-BR" sz="1600" dirty="0"/>
+              <a:t>Digitar o ID no campo “</a:t>
+            </a:r>
+            <a:r>
+              <a:rPr lang="pt-BR" sz="1600" dirty="0" err="1"/>
+              <a:t>Cod</a:t>
+            </a:r>
+            <a:r>
+              <a:rPr lang="pt-BR" sz="1600" dirty="0"/>
+              <a:t> Produto</a:t>
+            </a:r>
+            <a:r>
+              <a:rPr lang="pt-BR" sz="1600" dirty="0" smtClean="0"/>
+              <a:t>” e o mesmo não existe </a:t>
+            </a:r>
+            <a:r>
+              <a:rPr lang="pt-BR" sz="1600" dirty="0"/>
+              <a:t>| Resultado esperado : </a:t>
+            </a:r>
+            <a:r>
+              <a:rPr lang="pt-BR" sz="1600" dirty="0" smtClean="0"/>
+              <a:t>Nome do produto e Estoque ficam em branco</a:t>
+            </a:r>
+            <a:endParaRPr lang="pt-BR" sz="1600" dirty="0"/>
+          </a:p>
+          <a:p>
+            <a:pPr marL="342900" indent="-342900">
+              <a:buAutoNum type="arabicPeriod"/>
+            </a:pPr>
+            <a:endParaRPr lang="pt-BR" sz="1600" dirty="0"/>
+          </a:p>
+          <a:p>
+            <a:pPr marL="342900" indent="-342900">
+              <a:buAutoNum type="arabicPeriod"/>
+            </a:pPr>
+            <a:endParaRPr lang="pt-BR" sz="1600" dirty="0" smtClean="0"/>
+          </a:p>
+          <a:p>
+            <a:pPr marL="342900" indent="-342900">
+              <a:buAutoNum type="arabicPeriod"/>
+            </a:pPr>
+            <a:endParaRPr lang="pt-BR" sz="1600" dirty="0" smtClean="0"/>
+          </a:p>
+          <a:p>
+            <a:pPr marL="342900" indent="-342900">
+              <a:buAutoNum type="arabicPeriod"/>
+            </a:pPr>
+            <a:endParaRPr lang="pt-BR" sz="1600" dirty="0"/>
+          </a:p>
+          <a:p>
+            <a:pPr marL="342900" indent="-342900">
+              <a:buAutoNum type="arabicPeriod"/>
+            </a:pPr>
+            <a:endParaRPr lang="pt-BR" sz="1200" dirty="0" smtClean="0"/>
+          </a:p>
+          <a:p>
+            <a:endParaRPr lang="pt-BR" sz="1600" dirty="0"/>
+          </a:p>
+        </p:txBody>
+      </p:sp>
+    </p:spTree>
+    <p:extLst>
+      <p:ext uri="{BB962C8B-B14F-4D97-AF65-F5344CB8AC3E}">
+        <p14:creationId xmlns:p14="http://schemas.microsoft.com/office/powerpoint/2010/main" val="136712420"/>
+      </p:ext>
+    </p:extLst>
+  </p:cSld>
+  <p:clrMapOvr>
+    <a:masterClrMapping/>
+  </p:clrMapOvr>
+</p:sld>
+</file>
+
+<file path=ppt/slides/slide14.xml><?xml version="1.0" encoding="utf-8"?>
+<p:sld xmlns:a="http://schemas.openxmlformats.org/drawingml/2006/main" xmlns:r="http://schemas.openxmlformats.org/officeDocument/2006/relationships" xmlns:p="http://schemas.openxmlformats.org/presentationml/2006/main">
+  <p:cSld>
+    <p:spTree>
+      <p:nvGrpSpPr>
+        <p:cNvPr id="1" name=""/>
+        <p:cNvGrpSpPr/>
+        <p:nvPr/>
+      </p:nvGrpSpPr>
+      <p:grpSpPr>
+        <a:xfrm>
+          <a:off x="0" y="0"/>
+          <a:ext cx="0" cy="0"/>
+          <a:chOff x="0" y="0"/>
+          <a:chExt cx="0" cy="0"/>
+        </a:xfrm>
+      </p:grpSpPr>
+      <p:sp>
+        <p:nvSpPr>
+          <p:cNvPr id="2" name="Título 1"/>
+          <p:cNvSpPr>
+            <a:spLocks noGrp="1"/>
+          </p:cNvSpPr>
+          <p:nvPr>
+            <p:ph type="title"/>
+          </p:nvPr>
+        </p:nvSpPr>
+        <p:spPr>
+          <a:xfrm>
+            <a:off x="838200" y="365125"/>
+            <a:ext cx="4262306" cy="1325563"/>
+          </a:xfrm>
+        </p:spPr>
+        <p:txBody>
+          <a:bodyPr>
+            <a:normAutofit/>
+          </a:bodyPr>
+          <a:lstStyle/>
+          <a:p>
+            <a:r>
+              <a:rPr lang="pt-BR" sz="2100" dirty="0" smtClean="0"/>
+              <a:t>Caso de teste – Tela de requisição : Quantidade</a:t>
+            </a:r>
+            <a:endParaRPr lang="pt-BR" sz="2100" dirty="0"/>
+          </a:p>
+        </p:txBody>
+      </p:sp>
+      <p:sp>
+        <p:nvSpPr>
+          <p:cNvPr id="3" name="Espaço Reservado para Conteúdo 2"/>
+          <p:cNvSpPr>
+            <a:spLocks noGrp="1"/>
+          </p:cNvSpPr>
+          <p:nvPr>
+            <p:ph idx="1"/>
+          </p:nvPr>
+        </p:nvSpPr>
+        <p:spPr>
+          <a:xfrm>
+            <a:off x="838199" y="1825625"/>
+            <a:ext cx="10260435" cy="4351338"/>
+          </a:xfrm>
+        </p:spPr>
+        <p:txBody>
+          <a:bodyPr>
+            <a:normAutofit/>
+          </a:bodyPr>
+          <a:lstStyle/>
+          <a:p>
+            <a:r>
+              <a:rPr lang="pt-BR" sz="1600" dirty="0" smtClean="0"/>
+              <a:t>Pré-condição: Estar com a tela aberta</a:t>
+            </a:r>
+          </a:p>
+          <a:p>
+            <a:r>
+              <a:rPr lang="pt-BR" sz="1600" dirty="0"/>
+              <a:t>RN: </a:t>
+            </a:r>
+            <a:r>
+              <a:rPr lang="pt-BR" sz="1600" dirty="0" smtClean="0"/>
+              <a:t>RN09, RN10</a:t>
+            </a:r>
+          </a:p>
+          <a:p>
+            <a:endParaRPr lang="pt-BR" sz="1600" dirty="0" smtClean="0"/>
+          </a:p>
+          <a:p>
+            <a:r>
+              <a:rPr lang="pt-BR" sz="1600" dirty="0"/>
+              <a:t>Resultado esperado : </a:t>
+            </a:r>
+            <a:r>
+              <a:rPr lang="pt-BR" sz="1600" dirty="0" smtClean="0"/>
+              <a:t>Campo só deve ser ativado quando o campo estoque for maior do que zero, o campo só deve aceitar valores acima de zero</a:t>
+            </a:r>
+            <a:endParaRPr lang="pt-BR" sz="1600" dirty="0"/>
+          </a:p>
+          <a:p>
+            <a:pPr marL="0" indent="0">
+              <a:buNone/>
+            </a:pPr>
+            <a:endParaRPr lang="pt-BR" sz="1600" dirty="0" smtClean="0"/>
+          </a:p>
+          <a:p>
+            <a:r>
+              <a:rPr lang="pt-BR" sz="1600" dirty="0" smtClean="0"/>
+              <a:t>Ações</a:t>
+            </a:r>
+          </a:p>
+          <a:p>
+            <a:pPr marL="342900" indent="-342900">
+              <a:buAutoNum type="arabicPeriod"/>
+            </a:pPr>
+            <a:r>
+              <a:rPr lang="pt-BR" sz="1600" dirty="0" smtClean="0"/>
+              <a:t>Campo estoque exibi um valor acima de zero | Resultado esperado : Campo quantidade deve exibir o valor</a:t>
+            </a:r>
+          </a:p>
+          <a:p>
+            <a:pPr marL="342900" indent="-342900">
+              <a:buFont typeface="Arial" panose="020B0604020202020204" pitchFamily="34" charset="0"/>
+              <a:buAutoNum type="arabicPeriod"/>
+            </a:pPr>
+            <a:r>
+              <a:rPr lang="pt-BR" sz="1600" dirty="0" smtClean="0"/>
+              <a:t>Campo estoque exibi um valor igual a 0           | Resultado esperado : Campo quantidade não deve exibir o valor </a:t>
+            </a:r>
+            <a:endParaRPr lang="pt-BR" sz="1600" dirty="0"/>
+          </a:p>
+          <a:p>
+            <a:pPr marL="342900" indent="-342900">
+              <a:buAutoNum type="arabicPeriod"/>
+            </a:pPr>
+            <a:endParaRPr lang="pt-BR" sz="1600" dirty="0"/>
+          </a:p>
+          <a:p>
+            <a:pPr marL="342900" indent="-342900">
+              <a:buAutoNum type="arabicPeriod"/>
+            </a:pPr>
+            <a:endParaRPr lang="pt-BR" sz="1600" dirty="0" smtClean="0"/>
+          </a:p>
+          <a:p>
+            <a:pPr marL="342900" indent="-342900">
+              <a:buAutoNum type="arabicPeriod"/>
+            </a:pPr>
+            <a:endParaRPr lang="pt-BR" sz="1600" dirty="0" smtClean="0"/>
+          </a:p>
+          <a:p>
+            <a:pPr marL="342900" indent="-342900">
+              <a:buAutoNum type="arabicPeriod"/>
+            </a:pPr>
+            <a:endParaRPr lang="pt-BR" sz="1600" dirty="0"/>
+          </a:p>
+          <a:p>
+            <a:pPr marL="342900" indent="-342900">
+              <a:buAutoNum type="arabicPeriod"/>
+            </a:pPr>
+            <a:endParaRPr lang="pt-BR" sz="1200" dirty="0" smtClean="0"/>
+          </a:p>
+          <a:p>
+            <a:endParaRPr lang="pt-BR" sz="1600" dirty="0"/>
+          </a:p>
+        </p:txBody>
+      </p:sp>
+    </p:spTree>
+    <p:extLst>
+      <p:ext uri="{BB962C8B-B14F-4D97-AF65-F5344CB8AC3E}">
+        <p14:creationId xmlns:p14="http://schemas.microsoft.com/office/powerpoint/2010/main" val="2319947171"/>
+      </p:ext>
+    </p:extLst>
+  </p:cSld>
+  <p:clrMapOvr>
+    <a:masterClrMapping/>
+  </p:clrMapOvr>
+</p:sld>
+</file>
+
+<file path=ppt/slides/slide15.xml><?xml version="1.0" encoding="utf-8"?>
+<p:sld xmlns:a="http://schemas.openxmlformats.org/drawingml/2006/main" xmlns:r="http://schemas.openxmlformats.org/officeDocument/2006/relationships" xmlns:p="http://schemas.openxmlformats.org/presentationml/2006/main">
+  <p:cSld>
+    <p:spTree>
+      <p:nvGrpSpPr>
+        <p:cNvPr id="1" name=""/>
+        <p:cNvGrpSpPr/>
+        <p:nvPr/>
+      </p:nvGrpSpPr>
+      <p:grpSpPr>
+        <a:xfrm>
+          <a:off x="0" y="0"/>
+          <a:ext cx="0" cy="0"/>
+          <a:chOff x="0" y="0"/>
+          <a:chExt cx="0" cy="0"/>
+        </a:xfrm>
+      </p:grpSpPr>
+      <p:sp>
+        <p:nvSpPr>
+          <p:cNvPr id="2" name="Título 1"/>
+          <p:cNvSpPr>
+            <a:spLocks noGrp="1"/>
+          </p:cNvSpPr>
+          <p:nvPr>
+            <p:ph type="title"/>
+          </p:nvPr>
+        </p:nvSpPr>
+        <p:spPr>
+          <a:xfrm>
+            <a:off x="838200" y="365125"/>
+            <a:ext cx="4262306" cy="1325563"/>
+          </a:xfrm>
+        </p:spPr>
+        <p:txBody>
+          <a:bodyPr>
+            <a:normAutofit/>
+          </a:bodyPr>
+          <a:lstStyle/>
+          <a:p>
+            <a:r>
+              <a:rPr lang="pt-BR" sz="2100" dirty="0" smtClean="0"/>
+              <a:t>Caso de teste – Tela de requisição : Botão Gravar</a:t>
+            </a:r>
+            <a:endParaRPr lang="pt-BR" sz="2100" dirty="0"/>
+          </a:p>
+        </p:txBody>
+      </p:sp>
+      <p:sp>
+        <p:nvSpPr>
+          <p:cNvPr id="3" name="Espaço Reservado para Conteúdo 2"/>
+          <p:cNvSpPr>
+            <a:spLocks noGrp="1"/>
+          </p:cNvSpPr>
+          <p:nvPr>
+            <p:ph idx="1"/>
+          </p:nvPr>
+        </p:nvSpPr>
+        <p:spPr>
+          <a:xfrm>
+            <a:off x="838199" y="1825625"/>
+            <a:ext cx="10260435" cy="4351338"/>
+          </a:xfrm>
+        </p:spPr>
+        <p:txBody>
+          <a:bodyPr>
+            <a:normAutofit/>
+          </a:bodyPr>
+          <a:lstStyle/>
+          <a:p>
+            <a:r>
+              <a:rPr lang="pt-BR" sz="1600" dirty="0" smtClean="0"/>
+              <a:t>Pré-condição: Estar com a tela aberta</a:t>
+            </a:r>
+          </a:p>
+          <a:p>
+            <a:r>
+              <a:rPr lang="pt-BR" sz="1600" dirty="0"/>
+              <a:t>RN: </a:t>
+            </a:r>
+            <a:r>
+              <a:rPr lang="pt-BR" sz="1600" dirty="0" smtClean="0"/>
+              <a:t>RN11</a:t>
+            </a:r>
+          </a:p>
+          <a:p>
+            <a:endParaRPr lang="pt-BR" sz="1600" dirty="0" smtClean="0"/>
+          </a:p>
+          <a:p>
+            <a:r>
+              <a:rPr lang="pt-BR" sz="1600" dirty="0"/>
+              <a:t>Resultado esperado : </a:t>
+            </a:r>
+            <a:r>
+              <a:rPr lang="pt-BR" sz="1600" dirty="0" smtClean="0"/>
+              <a:t>O botão gravar deve ser ativado caso o valor no campo quantidade for maior que zero e se a quantidade for igual ou inferior ao valor exibido no estoque </a:t>
+            </a:r>
+            <a:endParaRPr lang="pt-BR" sz="1600" dirty="0"/>
+          </a:p>
+          <a:p>
+            <a:pPr marL="0" indent="0">
+              <a:buNone/>
+            </a:pPr>
+            <a:endParaRPr lang="pt-BR" sz="1600" dirty="0" smtClean="0"/>
+          </a:p>
+          <a:p>
+            <a:r>
+              <a:rPr lang="pt-BR" sz="1600" dirty="0" smtClean="0"/>
+              <a:t>Ações</a:t>
+            </a:r>
+          </a:p>
+          <a:p>
+            <a:pPr marL="342900" indent="-342900">
+              <a:buAutoNum type="arabicPeriod"/>
+            </a:pPr>
+            <a:r>
+              <a:rPr lang="pt-BR" sz="1600" dirty="0" smtClean="0"/>
+              <a:t>Campo quantidade exibi um valor maior que zero | Resultado esperado : botão gravar deve ser ativado</a:t>
+            </a:r>
+          </a:p>
+          <a:p>
+            <a:pPr marL="342900" indent="-342900">
+              <a:buFont typeface="Arial" panose="020B0604020202020204" pitchFamily="34" charset="0"/>
+              <a:buAutoNum type="arabicPeriod"/>
+            </a:pPr>
+            <a:r>
+              <a:rPr lang="pt-BR" sz="1600" dirty="0" smtClean="0"/>
+              <a:t>Campo quantidade exibi um valor igual ou menor ao do campo estoque | Resultado esperado : botão gravar deve ser ativado</a:t>
+            </a:r>
+            <a:endParaRPr lang="pt-BR" sz="1600" dirty="0"/>
+          </a:p>
+          <a:p>
+            <a:pPr marL="342900" indent="-342900">
+              <a:buAutoNum type="arabicPeriod"/>
+            </a:pPr>
+            <a:endParaRPr lang="pt-BR" sz="1600" dirty="0"/>
+          </a:p>
+          <a:p>
+            <a:pPr marL="342900" indent="-342900">
+              <a:buAutoNum type="arabicPeriod"/>
+            </a:pPr>
+            <a:endParaRPr lang="pt-BR" sz="1600" dirty="0" smtClean="0"/>
+          </a:p>
+          <a:p>
+            <a:pPr marL="342900" indent="-342900">
+              <a:buAutoNum type="arabicPeriod"/>
+            </a:pPr>
+            <a:endParaRPr lang="pt-BR" sz="1600" dirty="0" smtClean="0"/>
+          </a:p>
+          <a:p>
+            <a:pPr marL="342900" indent="-342900">
+              <a:buAutoNum type="arabicPeriod"/>
+            </a:pPr>
+            <a:endParaRPr lang="pt-BR" sz="1600" dirty="0"/>
+          </a:p>
+          <a:p>
+            <a:pPr marL="342900" indent="-342900">
+              <a:buAutoNum type="arabicPeriod"/>
+            </a:pPr>
+            <a:endParaRPr lang="pt-BR" sz="1200" dirty="0" smtClean="0"/>
+          </a:p>
+          <a:p>
+            <a:endParaRPr lang="pt-BR" sz="1600" dirty="0"/>
+          </a:p>
+        </p:txBody>
+      </p:sp>
+    </p:spTree>
+    <p:extLst>
+      <p:ext uri="{BB962C8B-B14F-4D97-AF65-F5344CB8AC3E}">
+        <p14:creationId xmlns:p14="http://schemas.microsoft.com/office/powerpoint/2010/main" val="1876951811"/>
+      </p:ext>
+    </p:extLst>
+  </p:cSld>
+  <p:clrMapOvr>
+    <a:masterClrMapping/>
+  </p:clrMapOvr>
+</p:sld>
+</file>
+
+<file path=ppt/slides/slide16.xml><?xml version="1.0" encoding="utf-8"?>
+<p:sld xmlns:a="http://schemas.openxmlformats.org/drawingml/2006/main" xmlns:r="http://schemas.openxmlformats.org/officeDocument/2006/relationships" xmlns:p="http://schemas.openxmlformats.org/presentationml/2006/main">
+  <p:cSld>
+    <p:spTree>
+      <p:nvGrpSpPr>
+        <p:cNvPr id="1" name=""/>
+        <p:cNvGrpSpPr/>
+        <p:nvPr/>
+      </p:nvGrpSpPr>
+      <p:grpSpPr>
+        <a:xfrm>
+          <a:off x="0" y="0"/>
+          <a:ext cx="0" cy="0"/>
+          <a:chOff x="0" y="0"/>
+          <a:chExt cx="0" cy="0"/>
+        </a:xfrm>
+      </p:grpSpPr>
+      <p:sp>
+        <p:nvSpPr>
+          <p:cNvPr id="2" name="Título 1"/>
+          <p:cNvSpPr>
+            <a:spLocks noGrp="1"/>
+          </p:cNvSpPr>
+          <p:nvPr>
+            <p:ph type="title"/>
+          </p:nvPr>
+        </p:nvSpPr>
+        <p:spPr>
+          <a:xfrm>
+            <a:off x="838200" y="365125"/>
+            <a:ext cx="4262306" cy="1325563"/>
+          </a:xfrm>
+        </p:spPr>
+        <p:txBody>
+          <a:bodyPr>
+            <a:normAutofit/>
+          </a:bodyPr>
+          <a:lstStyle/>
+          <a:p>
+            <a:r>
+              <a:rPr lang="pt-BR" sz="2100" dirty="0" smtClean="0"/>
+              <a:t>Caso de teste – Tela de requisição : Nível de Prioridade</a:t>
+            </a:r>
+            <a:endParaRPr lang="pt-BR" sz="2100" dirty="0"/>
+          </a:p>
+        </p:txBody>
+      </p:sp>
+      <p:sp>
+        <p:nvSpPr>
+          <p:cNvPr id="3" name="Espaço Reservado para Conteúdo 2"/>
+          <p:cNvSpPr>
+            <a:spLocks noGrp="1"/>
+          </p:cNvSpPr>
+          <p:nvPr>
+            <p:ph idx="1"/>
+          </p:nvPr>
+        </p:nvSpPr>
+        <p:spPr>
+          <a:xfrm>
+            <a:off x="838199" y="1825625"/>
+            <a:ext cx="10260435" cy="4351338"/>
+          </a:xfrm>
+        </p:spPr>
+        <p:txBody>
+          <a:bodyPr>
+            <a:normAutofit/>
+          </a:bodyPr>
+          <a:lstStyle/>
+          <a:p>
+            <a:r>
+              <a:rPr lang="pt-BR" sz="1600" dirty="0" smtClean="0"/>
+              <a:t>Pré-condição: Estar com a tela aberta</a:t>
+            </a:r>
+          </a:p>
+          <a:p>
+            <a:r>
+              <a:rPr lang="pt-BR" sz="1600" dirty="0"/>
+              <a:t>RN: </a:t>
+            </a:r>
+            <a:r>
+              <a:rPr lang="pt-BR" sz="1600" dirty="0" smtClean="0"/>
+              <a:t>RN12</a:t>
+            </a:r>
+          </a:p>
+          <a:p>
+            <a:endParaRPr lang="pt-BR" sz="1600" dirty="0" smtClean="0"/>
+          </a:p>
+          <a:p>
+            <a:r>
+              <a:rPr lang="pt-BR" sz="1600" dirty="0"/>
+              <a:t>Resultado esperado : </a:t>
+            </a:r>
+            <a:r>
+              <a:rPr lang="pt-BR" sz="1600" dirty="0" smtClean="0"/>
+              <a:t>Ao marcar um nível de prioridade a cor do botão deve ser alterado : Urgente = cor vermelha, Médio = cor amarela, Baixo = cor verde</a:t>
+            </a:r>
+            <a:endParaRPr lang="pt-BR" sz="1600" dirty="0"/>
+          </a:p>
+          <a:p>
+            <a:pPr marL="0" indent="0">
+              <a:buNone/>
+            </a:pPr>
+            <a:endParaRPr lang="pt-BR" sz="1600" dirty="0" smtClean="0"/>
+          </a:p>
+          <a:p>
+            <a:r>
+              <a:rPr lang="pt-BR" sz="1600" dirty="0" smtClean="0"/>
+              <a:t>Ações</a:t>
+            </a:r>
+          </a:p>
+          <a:p>
+            <a:pPr marL="342900" indent="-342900">
+              <a:buAutoNum type="arabicPeriod"/>
+            </a:pPr>
+            <a:r>
+              <a:rPr lang="pt-BR" sz="1600" dirty="0" smtClean="0"/>
+              <a:t>Marcou o nível de prioridade Urgente | Resultado espera : botão deve ficar na cor vermelha </a:t>
+            </a:r>
+          </a:p>
+          <a:p>
+            <a:pPr marL="342900" indent="-342900">
+              <a:buFont typeface="Arial" panose="020B0604020202020204" pitchFamily="34" charset="0"/>
+              <a:buAutoNum type="arabicPeriod"/>
+            </a:pPr>
+            <a:r>
+              <a:rPr lang="pt-BR" sz="1600" dirty="0"/>
+              <a:t>Marcou o nível de prioridade </a:t>
+            </a:r>
+            <a:r>
+              <a:rPr lang="pt-BR" sz="1600" dirty="0" smtClean="0"/>
+              <a:t>Médio </a:t>
+            </a:r>
+            <a:r>
+              <a:rPr lang="pt-BR" sz="1600" dirty="0"/>
+              <a:t>| Resultado espera : botão deve ficar na cor </a:t>
+            </a:r>
+            <a:r>
+              <a:rPr lang="pt-BR" sz="1600" dirty="0" smtClean="0"/>
+              <a:t>amarela </a:t>
+            </a:r>
+            <a:endParaRPr lang="pt-BR" sz="1600" dirty="0"/>
+          </a:p>
+          <a:p>
+            <a:pPr marL="342900" indent="-342900">
+              <a:buFont typeface="Arial" panose="020B0604020202020204" pitchFamily="34" charset="0"/>
+              <a:buAutoNum type="arabicPeriod"/>
+            </a:pPr>
+            <a:r>
+              <a:rPr lang="pt-BR" sz="1600" dirty="0"/>
+              <a:t>Marcou o nível de prioridade Urgente | Resultado espera : botão deve ficar na cor vermelha </a:t>
+            </a:r>
+          </a:p>
+          <a:p>
+            <a:pPr marL="342900" indent="-342900">
+              <a:buAutoNum type="arabicPeriod"/>
+            </a:pPr>
+            <a:endParaRPr lang="pt-BR" sz="1600" dirty="0" smtClean="0"/>
+          </a:p>
+          <a:p>
+            <a:pPr marL="342900" indent="-342900">
+              <a:buAutoNum type="arabicPeriod"/>
+            </a:pPr>
+            <a:endParaRPr lang="pt-BR" sz="1600" dirty="0"/>
+          </a:p>
+          <a:p>
+            <a:pPr marL="342900" indent="-342900">
+              <a:buAutoNum type="arabicPeriod"/>
+            </a:pPr>
+            <a:endParaRPr lang="pt-BR" sz="1600" dirty="0" smtClean="0"/>
+          </a:p>
+          <a:p>
+            <a:pPr marL="342900" indent="-342900">
+              <a:buAutoNum type="arabicPeriod"/>
+            </a:pPr>
+            <a:endParaRPr lang="pt-BR" sz="1600" dirty="0" smtClean="0"/>
+          </a:p>
+          <a:p>
+            <a:pPr marL="342900" indent="-342900">
+              <a:buAutoNum type="arabicPeriod"/>
+            </a:pPr>
+            <a:endParaRPr lang="pt-BR" sz="1600" dirty="0"/>
+          </a:p>
+          <a:p>
+            <a:pPr marL="342900" indent="-342900">
+              <a:buAutoNum type="arabicPeriod"/>
+            </a:pPr>
+            <a:endParaRPr lang="pt-BR" sz="1200" dirty="0" smtClean="0"/>
+          </a:p>
+          <a:p>
+            <a:endParaRPr lang="pt-BR" sz="1600" dirty="0"/>
+          </a:p>
+        </p:txBody>
+      </p:sp>
+    </p:spTree>
+    <p:extLst>
+      <p:ext uri="{BB962C8B-B14F-4D97-AF65-F5344CB8AC3E}">
+        <p14:creationId xmlns:p14="http://schemas.microsoft.com/office/powerpoint/2010/main" val="2212756904"/>
+      </p:ext>
+    </p:extLst>
+  </p:cSld>
+  <p:clrMapOvr>
+    <a:masterClrMapping/>
+  </p:clrMapOvr>
+</p:sld>
+</file>
+
+<file path=ppt/slides/slide17.xml><?xml version="1.0" encoding="utf-8"?>
+<p:sld xmlns:a="http://schemas.openxmlformats.org/drawingml/2006/main" xmlns:r="http://schemas.openxmlformats.org/officeDocument/2006/relationships" xmlns:p="http://schemas.openxmlformats.org/presentationml/2006/main">
+  <p:cSld>
+    <p:spTree>
+      <p:nvGrpSpPr>
+        <p:cNvPr id="1" name=""/>
+        <p:cNvGrpSpPr/>
+        <p:nvPr/>
+      </p:nvGrpSpPr>
+      <p:grpSpPr>
+        <a:xfrm>
+          <a:off x="0" y="0"/>
+          <a:ext cx="0" cy="0"/>
+          <a:chOff x="0" y="0"/>
+          <a:chExt cx="0" cy="0"/>
+        </a:xfrm>
+      </p:grpSpPr>
+      <p:sp>
+        <p:nvSpPr>
+          <p:cNvPr id="2" name="Título 1"/>
+          <p:cNvSpPr>
+            <a:spLocks noGrp="1"/>
+          </p:cNvSpPr>
+          <p:nvPr>
+            <p:ph type="title"/>
+          </p:nvPr>
+        </p:nvSpPr>
+        <p:spPr>
+          <a:xfrm>
+            <a:off x="838200" y="365125"/>
+            <a:ext cx="4262306" cy="1325563"/>
+          </a:xfrm>
+        </p:spPr>
+        <p:txBody>
+          <a:bodyPr>
+            <a:normAutofit/>
+          </a:bodyPr>
+          <a:lstStyle/>
+          <a:p>
+            <a:r>
+              <a:rPr lang="pt-BR" sz="2100" dirty="0" smtClean="0"/>
+              <a:t>Caso de teste – Tela de requisição : Elemento de status ( estoque )</a:t>
+            </a:r>
+            <a:endParaRPr lang="pt-BR" sz="2100" dirty="0"/>
+          </a:p>
+        </p:txBody>
+      </p:sp>
+      <p:sp>
+        <p:nvSpPr>
+          <p:cNvPr id="3" name="Espaço Reservado para Conteúdo 2"/>
+          <p:cNvSpPr>
+            <a:spLocks noGrp="1"/>
+          </p:cNvSpPr>
+          <p:nvPr>
+            <p:ph idx="1"/>
+          </p:nvPr>
+        </p:nvSpPr>
+        <p:spPr>
+          <a:xfrm>
+            <a:off x="838199" y="1825625"/>
+            <a:ext cx="10260435" cy="4351338"/>
+          </a:xfrm>
+        </p:spPr>
+        <p:txBody>
+          <a:bodyPr>
+            <a:normAutofit/>
+          </a:bodyPr>
+          <a:lstStyle/>
+          <a:p>
+            <a:r>
+              <a:rPr lang="pt-BR" sz="1600" dirty="0" smtClean="0"/>
+              <a:t>Pré-condição: Estar com a tela aberta</a:t>
+            </a:r>
+          </a:p>
+          <a:p>
+            <a:r>
+              <a:rPr lang="pt-BR" sz="1600" dirty="0"/>
+              <a:t>RN: </a:t>
+            </a:r>
+            <a:r>
+              <a:rPr lang="pt-BR" sz="1600" dirty="0" smtClean="0"/>
+              <a:t>RN13</a:t>
+            </a:r>
+          </a:p>
+          <a:p>
+            <a:endParaRPr lang="pt-BR" sz="1600" dirty="0" smtClean="0"/>
+          </a:p>
+          <a:p>
+            <a:r>
+              <a:rPr lang="pt-BR" sz="1600" dirty="0"/>
+              <a:t>Resultado esperado : </a:t>
+            </a:r>
+            <a:r>
+              <a:rPr lang="pt-BR" sz="1600" dirty="0" smtClean="0"/>
+              <a:t>retângulo exibido ao lado do campo quantidade deve se adaptar ao valor do campo estoque : Estoque acima dos 10% mínimos = cor verde, Estoque abaixo dos 10% mínimos = cor amarela, estoque abaixo do mínimo = vermelho</a:t>
+            </a:r>
+            <a:endParaRPr lang="pt-BR" sz="1600" dirty="0"/>
+          </a:p>
+          <a:p>
+            <a:pPr marL="0" indent="0">
+              <a:buNone/>
+            </a:pPr>
+            <a:endParaRPr lang="pt-BR" sz="1600" dirty="0" smtClean="0"/>
+          </a:p>
+          <a:p>
+            <a:r>
+              <a:rPr lang="pt-BR" sz="1600" dirty="0" smtClean="0"/>
+              <a:t>Ações</a:t>
+            </a:r>
+          </a:p>
+          <a:p>
+            <a:pPr marL="342900" indent="-342900">
+              <a:buAutoNum type="arabicPeriod"/>
+            </a:pPr>
+            <a:r>
+              <a:rPr lang="pt-BR" sz="1600" dirty="0" smtClean="0"/>
+              <a:t>Quantidade do estoque está acima dos 10% mínimos | Resultado espera : Quadrado deve ficar verde</a:t>
+            </a:r>
+          </a:p>
+          <a:p>
+            <a:pPr marL="342900" indent="-342900">
+              <a:buFont typeface="Arial" panose="020B0604020202020204" pitchFamily="34" charset="0"/>
+              <a:buAutoNum type="arabicPeriod"/>
+            </a:pPr>
+            <a:r>
+              <a:rPr lang="pt-BR" sz="1600" dirty="0"/>
+              <a:t>Quantidade do estoque está </a:t>
+            </a:r>
+            <a:r>
+              <a:rPr lang="pt-BR" sz="1600" dirty="0" smtClean="0"/>
+              <a:t>abaixo </a:t>
+            </a:r>
+            <a:r>
+              <a:rPr lang="pt-BR" sz="1600" dirty="0"/>
+              <a:t>dos 10% mínimos| Resultado espera : Quadrado deve ficar </a:t>
+            </a:r>
+            <a:r>
+              <a:rPr lang="pt-BR" sz="1600" dirty="0" smtClean="0"/>
+              <a:t>amarelo</a:t>
+            </a:r>
+          </a:p>
+          <a:p>
+            <a:pPr marL="342900" indent="-342900">
+              <a:buFont typeface="Arial" panose="020B0604020202020204" pitchFamily="34" charset="0"/>
+              <a:buAutoNum type="arabicPeriod"/>
+            </a:pPr>
+            <a:r>
+              <a:rPr lang="pt-BR" sz="1600" dirty="0"/>
+              <a:t>Quantidade do estoque está </a:t>
+            </a:r>
+            <a:r>
+              <a:rPr lang="pt-BR" sz="1600" dirty="0" smtClean="0"/>
+              <a:t>abaixo do mínimo            | </a:t>
+            </a:r>
+            <a:r>
+              <a:rPr lang="pt-BR" sz="1600" dirty="0"/>
+              <a:t>Resultado espera : Quadrado deve ficar </a:t>
+            </a:r>
+            <a:r>
+              <a:rPr lang="pt-BR" sz="1600" dirty="0" smtClean="0"/>
+              <a:t>vermelho</a:t>
+            </a:r>
+            <a:endParaRPr lang="pt-BR" sz="1600" dirty="0"/>
+          </a:p>
+          <a:p>
+            <a:pPr marL="342900" indent="-342900">
+              <a:buFont typeface="Arial" panose="020B0604020202020204" pitchFamily="34" charset="0"/>
+              <a:buAutoNum type="arabicPeriod"/>
+            </a:pPr>
+            <a:endParaRPr lang="pt-BR" sz="1600" dirty="0" smtClean="0"/>
+          </a:p>
+          <a:p>
+            <a:pPr marL="342900" indent="-342900">
+              <a:buAutoNum type="arabicPeriod"/>
+            </a:pPr>
+            <a:endParaRPr lang="pt-BR" sz="1600" dirty="0" smtClean="0"/>
+          </a:p>
+          <a:p>
+            <a:pPr marL="342900" indent="-342900">
+              <a:buAutoNum type="arabicPeriod"/>
+            </a:pPr>
+            <a:endParaRPr lang="pt-BR" sz="1600" dirty="0"/>
+          </a:p>
+          <a:p>
+            <a:pPr marL="342900" indent="-342900">
+              <a:buAutoNum type="arabicPeriod"/>
+            </a:pPr>
+            <a:endParaRPr lang="pt-BR" sz="1600" dirty="0" smtClean="0"/>
+          </a:p>
+          <a:p>
+            <a:pPr marL="342900" indent="-342900">
+              <a:buAutoNum type="arabicPeriod"/>
+            </a:pPr>
+            <a:endParaRPr lang="pt-BR" sz="1600" dirty="0" smtClean="0"/>
+          </a:p>
+          <a:p>
+            <a:pPr marL="342900" indent="-342900">
+              <a:buAutoNum type="arabicPeriod"/>
+            </a:pPr>
+            <a:endParaRPr lang="pt-BR" sz="1600" dirty="0"/>
+          </a:p>
+          <a:p>
+            <a:pPr marL="342900" indent="-342900">
+              <a:buAutoNum type="arabicPeriod"/>
+            </a:pPr>
+            <a:endParaRPr lang="pt-BR" sz="1200" dirty="0" smtClean="0"/>
+          </a:p>
+          <a:p>
+            <a:endParaRPr lang="pt-BR" sz="1600" dirty="0"/>
+          </a:p>
+        </p:txBody>
+      </p:sp>
+    </p:spTree>
+    <p:extLst>
+      <p:ext uri="{BB962C8B-B14F-4D97-AF65-F5344CB8AC3E}">
+        <p14:creationId xmlns:p14="http://schemas.microsoft.com/office/powerpoint/2010/main" val="1659864079"/>
+      </p:ext>
+    </p:extLst>
+  </p:cSld>
+  <p:clrMapOvr>
+    <a:masterClrMapping/>
+  </p:clrMapOvr>
+</p:sld>
+</file>
+
+<file path=ppt/slides/slide18.xml><?xml version="1.0" encoding="utf-8"?>
+<p:sld xmlns:a="http://schemas.openxmlformats.org/drawingml/2006/main" xmlns:r="http://schemas.openxmlformats.org/officeDocument/2006/relationships" xmlns:p="http://schemas.openxmlformats.org/presentationml/2006/main">
+  <p:cSld>
+    <p:spTree>
+      <p:nvGrpSpPr>
+        <p:cNvPr id="1" name=""/>
+        <p:cNvGrpSpPr/>
+        <p:nvPr/>
+      </p:nvGrpSpPr>
+      <p:grpSpPr>
+        <a:xfrm>
+          <a:off x="0" y="0"/>
+          <a:ext cx="0" cy="0"/>
+          <a:chOff x="0" y="0"/>
+          <a:chExt cx="0" cy="0"/>
+        </a:xfrm>
+      </p:grpSpPr>
+      <p:sp>
+        <p:nvSpPr>
+          <p:cNvPr id="2" name="Título 1"/>
+          <p:cNvSpPr>
+            <a:spLocks noGrp="1"/>
+          </p:cNvSpPr>
+          <p:nvPr>
+            <p:ph type="title"/>
+          </p:nvPr>
+        </p:nvSpPr>
+        <p:spPr>
+          <a:xfrm>
+            <a:off x="838200" y="365125"/>
+            <a:ext cx="4262306" cy="1325563"/>
+          </a:xfrm>
+        </p:spPr>
+        <p:txBody>
+          <a:bodyPr>
+            <a:normAutofit/>
+          </a:bodyPr>
+          <a:lstStyle/>
+          <a:p>
+            <a:r>
+              <a:rPr lang="pt-BR" sz="2100" dirty="0" smtClean="0"/>
+              <a:t>Caso de teste – Tela de requisição : Elemento de status ( </a:t>
+            </a:r>
+            <a:r>
+              <a:rPr lang="pt-BR" sz="2100" dirty="0" err="1" smtClean="0"/>
+              <a:t>ToolTip</a:t>
+            </a:r>
+            <a:r>
+              <a:rPr lang="pt-BR" sz="2100" dirty="0" smtClean="0"/>
+              <a:t> )</a:t>
+            </a:r>
+            <a:endParaRPr lang="pt-BR" sz="2100" dirty="0"/>
+          </a:p>
+        </p:txBody>
+      </p:sp>
+      <p:sp>
+        <p:nvSpPr>
+          <p:cNvPr id="3" name="Espaço Reservado para Conteúdo 2"/>
+          <p:cNvSpPr>
+            <a:spLocks noGrp="1"/>
+          </p:cNvSpPr>
+          <p:nvPr>
+            <p:ph idx="1"/>
+          </p:nvPr>
+        </p:nvSpPr>
+        <p:spPr>
+          <a:xfrm>
+            <a:off x="838199" y="1825625"/>
+            <a:ext cx="10260435" cy="4351338"/>
+          </a:xfrm>
+        </p:spPr>
+        <p:txBody>
+          <a:bodyPr>
+            <a:normAutofit/>
+          </a:bodyPr>
+          <a:lstStyle/>
+          <a:p>
+            <a:r>
+              <a:rPr lang="pt-BR" sz="1600" dirty="0" smtClean="0"/>
+              <a:t>Pré-condição: Estar com a tela aberta</a:t>
+            </a:r>
+          </a:p>
+          <a:p>
+            <a:r>
+              <a:rPr lang="pt-BR" sz="1600" dirty="0" smtClean="0"/>
+              <a:t>RN: RN14</a:t>
+            </a:r>
+          </a:p>
+          <a:p>
+            <a:endParaRPr lang="pt-BR" sz="1600" dirty="0" smtClean="0"/>
+          </a:p>
+          <a:p>
+            <a:r>
+              <a:rPr lang="pt-BR" sz="1600" dirty="0"/>
+              <a:t>Resultado esperado : </a:t>
+            </a:r>
+            <a:r>
+              <a:rPr lang="pt-BR" sz="1600" dirty="0" smtClean="0"/>
+              <a:t>ao colocar o mouse sobre o status estoque ( retângulo ) deve-se exibir a legenda com as informações sobre o significado das cores do quadrado</a:t>
+            </a:r>
+          </a:p>
+          <a:p>
+            <a:endParaRPr lang="pt-BR" sz="1600" dirty="0" smtClean="0"/>
+          </a:p>
+          <a:p>
+            <a:r>
+              <a:rPr lang="pt-BR" sz="1600" dirty="0" smtClean="0"/>
+              <a:t>Ações</a:t>
+            </a:r>
+          </a:p>
+          <a:p>
+            <a:pPr marL="342900" indent="-342900">
+              <a:buAutoNum type="arabicPeriod"/>
+            </a:pPr>
+            <a:r>
+              <a:rPr lang="pt-BR" sz="1600" dirty="0" smtClean="0"/>
+              <a:t>Mouse colocado sobre o status estoque (retângulo) : Resultado exibido : é mostrado uma legenda sobre o significado das cores do quadrado</a:t>
+            </a:r>
+            <a:endParaRPr lang="pt-BR" sz="1600" dirty="0"/>
+          </a:p>
+          <a:p>
+            <a:pPr marL="342900" indent="-342900">
+              <a:buFont typeface="Arial" panose="020B0604020202020204" pitchFamily="34" charset="0"/>
+              <a:buAutoNum type="arabicPeriod"/>
+            </a:pPr>
+            <a:endParaRPr lang="pt-BR" sz="1600" dirty="0" smtClean="0"/>
+          </a:p>
+          <a:p>
+            <a:pPr marL="342900" indent="-342900">
+              <a:buAutoNum type="arabicPeriod"/>
+            </a:pPr>
+            <a:endParaRPr lang="pt-BR" sz="1600" dirty="0" smtClean="0"/>
+          </a:p>
+          <a:p>
+            <a:pPr marL="342900" indent="-342900">
+              <a:buAutoNum type="arabicPeriod"/>
+            </a:pPr>
+            <a:endParaRPr lang="pt-BR" sz="1600" dirty="0"/>
+          </a:p>
+          <a:p>
+            <a:pPr marL="342900" indent="-342900">
+              <a:buAutoNum type="arabicPeriod"/>
+            </a:pPr>
+            <a:endParaRPr lang="pt-BR" sz="1600" dirty="0" smtClean="0"/>
+          </a:p>
+          <a:p>
+            <a:pPr marL="342900" indent="-342900">
+              <a:buAutoNum type="arabicPeriod"/>
+            </a:pPr>
+            <a:endParaRPr lang="pt-BR" sz="1600" dirty="0" smtClean="0"/>
+          </a:p>
+          <a:p>
+            <a:pPr marL="342900" indent="-342900">
+              <a:buAutoNum type="arabicPeriod"/>
+            </a:pPr>
+            <a:endParaRPr lang="pt-BR" sz="1600" dirty="0"/>
+          </a:p>
+          <a:p>
+            <a:pPr marL="342900" indent="-342900">
+              <a:buAutoNum type="arabicPeriod"/>
+            </a:pPr>
+            <a:endParaRPr lang="pt-BR" sz="1200" dirty="0" smtClean="0"/>
+          </a:p>
+          <a:p>
+            <a:endParaRPr lang="pt-BR" sz="1600" dirty="0"/>
+          </a:p>
+        </p:txBody>
+      </p:sp>
+    </p:spTree>
+    <p:extLst>
+      <p:ext uri="{BB962C8B-B14F-4D97-AF65-F5344CB8AC3E}">
+        <p14:creationId xmlns:p14="http://schemas.microsoft.com/office/powerpoint/2010/main" val="3735047130"/>
+      </p:ext>
+    </p:extLst>
+  </p:cSld>
+  <p:clrMapOvr>
+    <a:masterClrMapping/>
+  </p:clrMapOvr>
+</p:sld>
+</file>
+
 <file path=ppt/slides/slide2.xml><?xml version="1.0" encoding="utf-8"?>
 <p:sld xmlns:a="http://schemas.openxmlformats.org/drawingml/2006/main" xmlns:r="http://schemas.openxmlformats.org/officeDocument/2006/relationships" xmlns:p="http://schemas.openxmlformats.org/presentationml/2006/main">
   <p:cSld>
@@ -3766,7 +5541,7 @@
             <p:ph idx="1"/>
             <p:extLst>
               <p:ext uri="{D42A27DB-BD31-4B8C-83A1-F6EECF244321}">
-                <p14:modId xmlns:p14="http://schemas.microsoft.com/office/powerpoint/2010/main" val="863283126"/>
+                <p14:modId xmlns:p14="http://schemas.microsoft.com/office/powerpoint/2010/main" val="3539999367"/>
               </p:ext>
             </p:extLst>
           </p:nvPr>
@@ -3904,8 +5679,8 @@
                         <a:t>Todos os campos são obrigatórios, com exceção dos campos: [Nome </a:t>
                       </a:r>
                       <a:r>
-                        <a:rPr lang="pt-BR" dirty="0" err="1"/>
-                        <a:t>Funcionario</a:t>
+                        <a:rPr lang="pt-BR" dirty="0" smtClean="0"/>
+                        <a:t>Funcionário</a:t>
                       </a:r>
                       <a:r>
                         <a:rPr lang="pt-BR" dirty="0"/>
@@ -6022,6 +7797,159 @@
 </p:sld>
 </file>
 
+<file path=ppt/slides/slide9.xml><?xml version="1.0" encoding="utf-8"?>
+<p:sld xmlns:a="http://schemas.openxmlformats.org/drawingml/2006/main" xmlns:r="http://schemas.openxmlformats.org/officeDocument/2006/relationships" xmlns:p="http://schemas.openxmlformats.org/presentationml/2006/main">
+  <p:cSld>
+    <p:spTree>
+      <p:nvGrpSpPr>
+        <p:cNvPr id="1" name=""/>
+        <p:cNvGrpSpPr/>
+        <p:nvPr/>
+      </p:nvGrpSpPr>
+      <p:grpSpPr>
+        <a:xfrm>
+          <a:off x="0" y="0"/>
+          <a:ext cx="0" cy="0"/>
+          <a:chOff x="0" y="0"/>
+          <a:chExt cx="0" cy="0"/>
+        </a:xfrm>
+      </p:grpSpPr>
+      <p:sp>
+        <p:nvSpPr>
+          <p:cNvPr id="2" name="Título 1"/>
+          <p:cNvSpPr>
+            <a:spLocks noGrp="1"/>
+          </p:cNvSpPr>
+          <p:nvPr>
+            <p:ph type="title"/>
+          </p:nvPr>
+        </p:nvSpPr>
+        <p:spPr>
+          <a:xfrm>
+            <a:off x="838200" y="365125"/>
+            <a:ext cx="4262306" cy="1325563"/>
+          </a:xfrm>
+        </p:spPr>
+        <p:txBody>
+          <a:bodyPr>
+            <a:normAutofit/>
+          </a:bodyPr>
+          <a:lstStyle/>
+          <a:p>
+            <a:r>
+              <a:rPr lang="pt-BR" sz="2100" dirty="0" smtClean="0"/>
+              <a:t>Caso de teste – Tela de requisição : Campos</a:t>
+            </a:r>
+            <a:endParaRPr lang="pt-BR" sz="2100" dirty="0"/>
+          </a:p>
+        </p:txBody>
+      </p:sp>
+      <p:sp>
+        <p:nvSpPr>
+          <p:cNvPr id="3" name="Espaço Reservado para Conteúdo 2"/>
+          <p:cNvSpPr>
+            <a:spLocks noGrp="1"/>
+          </p:cNvSpPr>
+          <p:nvPr>
+            <p:ph idx="1"/>
+          </p:nvPr>
+        </p:nvSpPr>
+        <p:spPr>
+          <a:xfrm>
+            <a:off x="838199" y="1825625"/>
+            <a:ext cx="10260435" cy="4351338"/>
+          </a:xfrm>
+        </p:spPr>
+        <p:txBody>
+          <a:bodyPr>
+            <a:normAutofit/>
+          </a:bodyPr>
+          <a:lstStyle/>
+          <a:p>
+            <a:r>
+              <a:rPr lang="pt-BR" sz="1600" dirty="0" smtClean="0"/>
+              <a:t>Pré-condição: Estar com a tela aberta</a:t>
+            </a:r>
+          </a:p>
+          <a:p>
+            <a:r>
+              <a:rPr lang="pt-BR" sz="1600" dirty="0"/>
+              <a:t>RN: </a:t>
+            </a:r>
+            <a:r>
+              <a:rPr lang="pt-BR" sz="1600" dirty="0" smtClean="0"/>
+              <a:t>RN01, RN02, RN03</a:t>
+            </a:r>
+          </a:p>
+          <a:p>
+            <a:endParaRPr lang="pt-BR" sz="1600" dirty="0"/>
+          </a:p>
+          <a:p>
+            <a:r>
+              <a:rPr lang="pt-BR" sz="1600" dirty="0" smtClean="0"/>
+              <a:t>Resultado esperado : os campos não preenchidos devem ficar vermelhos, os campos selecionados devem ficar verdes, os campos ID só podem aceitar números inteiros</a:t>
+            </a:r>
+          </a:p>
+          <a:p>
+            <a:endParaRPr lang="pt-BR" sz="1600" dirty="0" smtClean="0"/>
+          </a:p>
+          <a:p>
+            <a:r>
+              <a:rPr lang="pt-BR" sz="1600" dirty="0" smtClean="0"/>
+              <a:t>Ações</a:t>
+            </a:r>
+          </a:p>
+          <a:p>
+            <a:pPr marL="342900" indent="-342900">
+              <a:buAutoNum type="arabicPeriod"/>
+            </a:pPr>
+            <a:r>
+              <a:rPr lang="pt-BR" sz="1600" dirty="0" smtClean="0"/>
+              <a:t>Clicar no botão gravar sem os campos necessários preenchidos | Resultado esperado : campos devem ficar na cor vermelha</a:t>
+            </a:r>
+          </a:p>
+          <a:p>
+            <a:pPr marL="342900" indent="-342900">
+              <a:buAutoNum type="arabicPeriod"/>
+            </a:pPr>
+            <a:r>
+              <a:rPr lang="pt-BR" sz="1600" dirty="0" smtClean="0"/>
+              <a:t>Clicar em um campo | Resultado esperado : campo deve ficar na cor verde</a:t>
+            </a:r>
+          </a:p>
+          <a:p>
+            <a:pPr marL="342900" indent="-342900">
+              <a:buAutoNum type="arabicPeriod"/>
+            </a:pPr>
+            <a:r>
+              <a:rPr lang="pt-BR" sz="1600" dirty="0" smtClean="0"/>
+              <a:t>Colocar número nos campos ID | Resultado esperado : campo só deve aceitar números inteiros </a:t>
+            </a:r>
+          </a:p>
+          <a:p>
+            <a:pPr marL="0" indent="0">
+              <a:buNone/>
+            </a:pPr>
+            <a:endParaRPr lang="pt-BR" sz="1200" dirty="0" smtClean="0"/>
+          </a:p>
+          <a:p>
+            <a:endParaRPr lang="pt-BR" sz="1600" dirty="0"/>
+          </a:p>
+        </p:txBody>
+      </p:sp>
+    </p:spTree>
+    <p:extLst>
+      <p:ext uri="{BB962C8B-B14F-4D97-AF65-F5344CB8AC3E}">
+        <p14:creationId xmlns:p14="http://schemas.microsoft.com/office/powerpoint/2010/main" val="3595692554"/>
+      </p:ext>
+    </p:extLst>
+  </p:cSld>
+  <p:clrMapOvr>
+    <a:masterClrMapping/>
+  </p:clrMapOvr>
+</p:sld>
+</file>
+
 <file path=ppt/theme/theme1.xml><?xml version="1.0" encoding="utf-8"?>
 <a:theme xmlns:a="http://schemas.openxmlformats.org/drawingml/2006/main" name="Tema do Office">
   <a:themeElements>

--- a/RegrasNegocio/RN_Requisitos.pptx
+++ b/RegrasNegocio/RN_Requisitos.pptx
@@ -276,7 +276,7 @@
           <a:p>
             <a:fld id="{0A1764AE-7598-4101-9D63-6EC8D69CE664}" type="datetimeFigureOut">
               <a:rPr lang="pt-BR" smtClean="0"/>
-              <a:t>22/01/2024</a:t>
+              <a:t>24/01/2024</a:t>
             </a:fld>
             <a:endParaRPr lang="pt-BR"/>
           </a:p>
@@ -474,7 +474,7 @@
           <a:p>
             <a:fld id="{0A1764AE-7598-4101-9D63-6EC8D69CE664}" type="datetimeFigureOut">
               <a:rPr lang="pt-BR" smtClean="0"/>
-              <a:t>22/01/2024</a:t>
+              <a:t>24/01/2024</a:t>
             </a:fld>
             <a:endParaRPr lang="pt-BR"/>
           </a:p>
@@ -682,7 +682,7 @@
           <a:p>
             <a:fld id="{0A1764AE-7598-4101-9D63-6EC8D69CE664}" type="datetimeFigureOut">
               <a:rPr lang="pt-BR" smtClean="0"/>
-              <a:t>22/01/2024</a:t>
+              <a:t>24/01/2024</a:t>
             </a:fld>
             <a:endParaRPr lang="pt-BR"/>
           </a:p>
@@ -880,7 +880,7 @@
           <a:p>
             <a:fld id="{0A1764AE-7598-4101-9D63-6EC8D69CE664}" type="datetimeFigureOut">
               <a:rPr lang="pt-BR" smtClean="0"/>
-              <a:t>22/01/2024</a:t>
+              <a:t>24/01/2024</a:t>
             </a:fld>
             <a:endParaRPr lang="pt-BR"/>
           </a:p>
@@ -1155,7 +1155,7 @@
           <a:p>
             <a:fld id="{0A1764AE-7598-4101-9D63-6EC8D69CE664}" type="datetimeFigureOut">
               <a:rPr lang="pt-BR" smtClean="0"/>
-              <a:t>22/01/2024</a:t>
+              <a:t>24/01/2024</a:t>
             </a:fld>
             <a:endParaRPr lang="pt-BR"/>
           </a:p>
@@ -1420,7 +1420,7 @@
           <a:p>
             <a:fld id="{0A1764AE-7598-4101-9D63-6EC8D69CE664}" type="datetimeFigureOut">
               <a:rPr lang="pt-BR" smtClean="0"/>
-              <a:t>22/01/2024</a:t>
+              <a:t>24/01/2024</a:t>
             </a:fld>
             <a:endParaRPr lang="pt-BR"/>
           </a:p>
@@ -1832,7 +1832,7 @@
           <a:p>
             <a:fld id="{0A1764AE-7598-4101-9D63-6EC8D69CE664}" type="datetimeFigureOut">
               <a:rPr lang="pt-BR" smtClean="0"/>
-              <a:t>22/01/2024</a:t>
+              <a:t>24/01/2024</a:t>
             </a:fld>
             <a:endParaRPr lang="pt-BR"/>
           </a:p>
@@ -1973,7 +1973,7 @@
           <a:p>
             <a:fld id="{0A1764AE-7598-4101-9D63-6EC8D69CE664}" type="datetimeFigureOut">
               <a:rPr lang="pt-BR" smtClean="0"/>
-              <a:t>22/01/2024</a:t>
+              <a:t>24/01/2024</a:t>
             </a:fld>
             <a:endParaRPr lang="pt-BR"/>
           </a:p>
@@ -2086,7 +2086,7 @@
           <a:p>
             <a:fld id="{0A1764AE-7598-4101-9D63-6EC8D69CE664}" type="datetimeFigureOut">
               <a:rPr lang="pt-BR" smtClean="0"/>
-              <a:t>22/01/2024</a:t>
+              <a:t>24/01/2024</a:t>
             </a:fld>
             <a:endParaRPr lang="pt-BR"/>
           </a:p>
@@ -2397,7 +2397,7 @@
           <a:p>
             <a:fld id="{0A1764AE-7598-4101-9D63-6EC8D69CE664}" type="datetimeFigureOut">
               <a:rPr lang="pt-BR" smtClean="0"/>
-              <a:t>22/01/2024</a:t>
+              <a:t>24/01/2024</a:t>
             </a:fld>
             <a:endParaRPr lang="pt-BR"/>
           </a:p>
@@ -2685,7 +2685,7 @@
           <a:p>
             <a:fld id="{0A1764AE-7598-4101-9D63-6EC8D69CE664}" type="datetimeFigureOut">
               <a:rPr lang="pt-BR" smtClean="0"/>
-              <a:t>22/01/2024</a:t>
+              <a:t>24/01/2024</a:t>
             </a:fld>
             <a:endParaRPr lang="pt-BR"/>
           </a:p>
@@ -2926,7 +2926,7 @@
           <a:p>
             <a:fld id="{0A1764AE-7598-4101-9D63-6EC8D69CE664}" type="datetimeFigureOut">
               <a:rPr lang="pt-BR" smtClean="0"/>
-              <a:t>22/01/2024</a:t>
+              <a:t>24/01/2024</a:t>
             </a:fld>
             <a:endParaRPr lang="pt-BR"/>
           </a:p>
